--- a/Case_study_powerpoint.pptx
+++ b/Case_study_powerpoint.pptx
@@ -110,13 +110,18 @@
       </a:defRPr>
     </a:lvl9pPr>
   </p:defaultTextStyle>
+  <p:extLst>
+    <p:ext uri="{EFAFB233-063F-42B5-8137-9DF3F51BA10A}">
+      <p15:sldGuideLst xmlns:p15="http://schemas.microsoft.com/office/powerpoint/2012/main"/>
+    </p:ext>
+  </p:extLst>
 </p:presentation>
 </file>
 
 <file path=ppt/charts/chart1.xml><?xml version="1.0" encoding="utf-8"?>
 <c:chartSpace xmlns:c="http://schemas.openxmlformats.org/drawingml/2006/chart" xmlns:a="http://schemas.openxmlformats.org/drawingml/2006/main" xmlns:r="http://schemas.openxmlformats.org/officeDocument/2006/relationships" xmlns:c16r2="http://schemas.microsoft.com/office/drawing/2015/06/chart">
   <c:date1904 val="0"/>
-  <c:lang val="en-US"/>
+  <c:lang val="nl-NL"/>
   <c:roundedCorners val="0"/>
   <mc:AlternateContent xmlns:mc="http://schemas.openxmlformats.org/markup-compatibility/2006">
     <mc:Choice xmlns:c14="http://schemas.microsoft.com/office/drawing/2007/8/2/chart" Requires="c14">
@@ -185,7 +190,7 @@
               <a:cs typeface="+mn-cs"/>
             </a:defRPr>
           </a:pPr>
-          <a:endParaRPr lang="en-US"/>
+          <a:endParaRPr lang="nl-NL"/>
         </a:p>
       </c:txPr>
     </c:title>
@@ -378,7 +383,7 @@
                 <a:cs typeface="+mn-cs"/>
               </a:defRPr>
             </a:pPr>
-            <a:endParaRPr lang="en-US"/>
+            <a:endParaRPr lang="nl-NL"/>
           </a:p>
         </c:txPr>
         <c:crossAx val="1246081264"/>
@@ -437,7 +442,7 @@
                 <a:cs typeface="+mn-cs"/>
               </a:defRPr>
             </a:pPr>
-            <a:endParaRPr lang="en-US"/>
+            <a:endParaRPr lang="nl-NL"/>
           </a:p>
         </c:txPr>
         <c:crossAx val="1246219008"/>
@@ -479,7 +484,7 @@
               <a:cs typeface="+mn-cs"/>
             </a:defRPr>
           </a:pPr>
-          <a:endParaRPr lang="en-US"/>
+          <a:endParaRPr lang="nl-NL"/>
         </a:p>
       </c:txPr>
     </c:legend>
@@ -501,7 +506,7 @@
       <a:pPr>
         <a:defRPr/>
       </a:pPr>
-      <a:endParaRPr lang="en-US"/>
+      <a:endParaRPr lang="nl-NL"/>
     </a:p>
   </c:txPr>
   <c:externalData r:id="rId3">
@@ -1206,7 +1211,7 @@
           <a:p>
             <a:fld id="{23FEA57E-7C1A-457B-A4CD-5DCEB057B502}" type="datetime1">
               <a:rPr lang="en-US" smtClean="0"/>
-              <a:t>4/14/2021</a:t>
+              <a:t>4/15/2021</a:t>
             </a:fld>
             <a:endParaRPr lang="en-US" dirty="0"/>
           </a:p>
@@ -1278,7 +1283,7 @@
           <a:p>
             <a:fld id="{F8E28480-1C08-4458-AD97-0283E6FFD09D}" type="slidenum">
               <a:rPr lang="en-US" smtClean="0"/>
-              <a:t>‹#›</a:t>
+              <a:t>‹nr.›</a:t>
             </a:fld>
             <a:endParaRPr lang="en-US" dirty="0"/>
           </a:p>
@@ -1545,7 +1550,7 @@
           <a:p>
             <a:fld id="{11789749-A4CD-447F-8298-2B7988C91CEA}" type="datetime1">
               <a:rPr lang="en-US" smtClean="0"/>
-              <a:t>4/14/2021</a:t>
+              <a:t>4/15/2021</a:t>
             </a:fld>
             <a:endParaRPr lang="en-US"/>
           </a:p>
@@ -1591,7 +1596,7 @@
           <a:p>
             <a:fld id="{F8E28480-1C08-4458-AD97-0283E6FFD09D}" type="slidenum">
               <a:rPr lang="en-US" smtClean="0"/>
-              <a:t>‹#›</a:t>
+              <a:t>‹nr.›</a:t>
             </a:fld>
             <a:endParaRPr lang="en-US"/>
           </a:p>
@@ -1729,7 +1734,7 @@
           <a:p>
             <a:fld id="{BA0444D3-C0BA-4587-A56C-581AB9F841BE}" type="datetime1">
               <a:rPr lang="en-US" smtClean="0"/>
-              <a:t>4/14/2021</a:t>
+              <a:t>4/15/2021</a:t>
             </a:fld>
             <a:endParaRPr lang="en-US"/>
           </a:p>
@@ -1774,7 +1779,7 @@
           <a:p>
             <a:fld id="{F8E28480-1C08-4458-AD97-0283E6FFD09D}" type="slidenum">
               <a:rPr lang="en-US" smtClean="0"/>
-              <a:t>‹#›</a:t>
+              <a:t>‹nr.›</a:t>
             </a:fld>
             <a:endParaRPr lang="en-US"/>
           </a:p>
@@ -1902,7 +1907,7 @@
           <a:p>
             <a:fld id="{201AF2CE-4F37-411C-A3EE-BBBE223265BF}" type="datetime1">
               <a:rPr lang="en-US" smtClean="0"/>
-              <a:t>4/14/2021</a:t>
+              <a:t>4/15/2021</a:t>
             </a:fld>
             <a:endParaRPr lang="en-US"/>
           </a:p>
@@ -1947,7 +1952,7 @@
           <a:p>
             <a:fld id="{F8E28480-1C08-4458-AD97-0283E6FFD09D}" type="slidenum">
               <a:rPr lang="en-US" smtClean="0"/>
-              <a:t>‹#›</a:t>
+              <a:t>‹nr.›</a:t>
             </a:fld>
             <a:endParaRPr lang="en-US"/>
           </a:p>
@@ -2182,7 +2187,7 @@
           <a:p>
             <a:fld id="{C96083D4-708C-4BB5-B4FD-30CE9FA12FD5}" type="datetime1">
               <a:rPr lang="en-US" smtClean="0"/>
-              <a:t>4/14/2021</a:t>
+              <a:t>4/15/2021</a:t>
             </a:fld>
             <a:endParaRPr lang="en-US"/>
           </a:p>
@@ -2254,7 +2259,7 @@
           <a:p>
             <a:fld id="{F8E28480-1C08-4458-AD97-0283E6FFD09D}" type="slidenum">
               <a:rPr lang="en-US" smtClean="0"/>
-              <a:t>‹#›</a:t>
+              <a:t>‹nr.›</a:t>
             </a:fld>
             <a:endParaRPr lang="en-US"/>
           </a:p>
@@ -2580,7 +2585,7 @@
           <a:p>
             <a:fld id="{D0D239B2-65BC-4C2A-A62B-3EABFE9590E4}" type="datetime1">
               <a:rPr lang="en-US" smtClean="0"/>
-              <a:t>4/14/2021</a:t>
+              <a:t>4/15/2021</a:t>
             </a:fld>
             <a:endParaRPr lang="en-US"/>
           </a:p>
@@ -2625,7 +2630,7 @@
           <a:p>
             <a:fld id="{F8E28480-1C08-4458-AD97-0283E6FFD09D}" type="slidenum">
               <a:rPr lang="en-US" smtClean="0"/>
-              <a:t>‹#›</a:t>
+              <a:t>‹nr.›</a:t>
             </a:fld>
             <a:endParaRPr lang="en-US"/>
           </a:p>
@@ -3060,7 +3065,7 @@
           <a:p>
             <a:fld id="{85E05F5A-E4A3-476F-A89E-C2B73F2431E4}" type="datetime1">
               <a:rPr lang="en-US" smtClean="0"/>
-              <a:t>4/14/2021</a:t>
+              <a:t>4/15/2021</a:t>
             </a:fld>
             <a:endParaRPr lang="en-US"/>
           </a:p>
@@ -3105,7 +3110,7 @@
           <a:p>
             <a:fld id="{F8E28480-1C08-4458-AD97-0283E6FFD09D}" type="slidenum">
               <a:rPr lang="en-US" smtClean="0"/>
-              <a:t>‹#›</a:t>
+              <a:t>‹nr.›</a:t>
             </a:fld>
             <a:endParaRPr lang="en-US"/>
           </a:p>
@@ -3181,7 +3186,7 @@
           <a:p>
             <a:fld id="{E3761515-4A26-4F31-9F61-5A10B1FABBFC}" type="datetime1">
               <a:rPr lang="en-US" smtClean="0"/>
-              <a:t>4/14/2021</a:t>
+              <a:t>4/15/2021</a:t>
             </a:fld>
             <a:endParaRPr lang="en-US"/>
           </a:p>
@@ -3226,7 +3231,7 @@
           <a:p>
             <a:fld id="{F8E28480-1C08-4458-AD97-0283E6FFD09D}" type="slidenum">
               <a:rPr lang="en-US" smtClean="0"/>
-              <a:t>‹#›</a:t>
+              <a:t>‹nr.›</a:t>
             </a:fld>
             <a:endParaRPr lang="en-US"/>
           </a:p>
@@ -3279,7 +3284,7 @@
           <a:p>
             <a:fld id="{4A75DC65-7D1F-4BAB-9695-F7E734143E14}" type="datetime1">
               <a:rPr lang="en-US" smtClean="0"/>
-              <a:t>4/14/2021</a:t>
+              <a:t>4/15/2021</a:t>
             </a:fld>
             <a:endParaRPr lang="en-US"/>
           </a:p>
@@ -3324,7 +3329,7 @@
           <a:p>
             <a:fld id="{F8E28480-1C08-4458-AD97-0283E6FFD09D}" type="slidenum">
               <a:rPr lang="en-US" smtClean="0"/>
-              <a:t>‹#›</a:t>
+              <a:t>‹nr.›</a:t>
             </a:fld>
             <a:endParaRPr lang="en-US"/>
           </a:p>
@@ -3633,7 +3638,7 @@
           <a:p>
             <a:fld id="{7E624077-BD55-4036-8E92-6558FDF3B653}" type="datetime1">
               <a:rPr lang="en-US" smtClean="0"/>
-              <a:t>4/14/2021</a:t>
+              <a:t>4/15/2021</a:t>
             </a:fld>
             <a:endParaRPr lang="en-US"/>
           </a:p>
@@ -3704,7 +3709,7 @@
           <a:p>
             <a:fld id="{F8E28480-1C08-4458-AD97-0283E6FFD09D}" type="slidenum">
               <a:rPr lang="en-US" smtClean="0"/>
-              <a:t>‹#›</a:t>
+              <a:t>‹nr.›</a:t>
             </a:fld>
             <a:endParaRPr lang="en-US"/>
           </a:p>
@@ -4029,7 +4034,7 @@
           <a:p>
             <a:fld id="{804225F2-7107-4609-BCC2-77C63064A5E8}" type="datetime1">
               <a:rPr lang="en-US" smtClean="0"/>
-              <a:t>4/14/2021</a:t>
+              <a:t>4/15/2021</a:t>
             </a:fld>
             <a:endParaRPr lang="en-US"/>
           </a:p>
@@ -4100,7 +4105,7 @@
           <a:p>
             <a:fld id="{F8E28480-1C08-4458-AD97-0283E6FFD09D}" type="slidenum">
               <a:rPr lang="en-US" smtClean="0"/>
-              <a:t>‹#›</a:t>
+              <a:t>‹nr.›</a:t>
             </a:fld>
             <a:endParaRPr lang="en-US"/>
           </a:p>
@@ -4310,7 +4315,7 @@
           <a:p>
             <a:fld id="{D3FE42E8-8B57-452D-A122-4DCE9AC771EF}" type="datetime1">
               <a:rPr lang="en-US" smtClean="0"/>
-              <a:t>4/14/2021</a:t>
+              <a:t>4/15/2021</a:t>
             </a:fld>
             <a:endParaRPr lang="en-US"/>
           </a:p>
@@ -4389,7 +4394,7 @@
             <a:fld id="{F8E28480-1C08-4458-AD97-0283E6FFD09D}" type="slidenum">
               <a:rPr lang="en-US" smtClean="0"/>
               <a:pPr/>
-              <a:t>‹#›</a:t>
+              <a:t>‹nr.›</a:t>
             </a:fld>
             <a:endParaRPr lang="en-US"/>
           </a:p>
@@ -5004,13 +5009,46 @@
             </a:r>
           </a:p>
           <a:p>
-            <a:r>
-              <a:rPr lang="en-US" dirty="0"/>
-              <a:t>https://www.youtube.com/watch?v=PjnaciNT-wQ</a:t>
-            </a:r>
-          </a:p>
-        </p:txBody>
-      </p:sp>
+            <a:pPr marL="0" indent="0">
+              <a:buNone/>
+            </a:pPr>
+            <a:endParaRPr lang="en-US" dirty="0"/>
+          </a:p>
+        </p:txBody>
+      </p:sp>
+      <p:pic>
+        <p:nvPicPr>
+          <p:cNvPr id="4" name="Onlinemedia 3" title="Debussy - « Clair de Lune » on the theremin">
+            <a:hlinkClick r:id="" action="ppaction://media"/>
+            <a:extLst>
+              <a:ext uri="{FF2B5EF4-FFF2-40B4-BE49-F238E27FC236}">
+                <a16:creationId xmlns:a16="http://schemas.microsoft.com/office/drawing/2014/main" id="{47A57107-EA4B-4B1B-B473-BA9EE087E570}"/>
+              </a:ext>
+            </a:extLst>
+          </p:cNvPr>
+          <p:cNvPicPr>
+            <a:picLocks noRot="1" noChangeAspect="1"/>
+          </p:cNvPicPr>
+          <p:nvPr>
+            <a:videoFile r:link="rId1"/>
+          </p:nvPr>
+        </p:nvPicPr>
+        <p:blipFill>
+          <a:blip r:embed="rId3"/>
+          <a:stretch>
+            <a:fillRect/>
+          </a:stretch>
+        </p:blipFill>
+        <p:spPr>
+          <a:xfrm>
+            <a:off x="4473114" y="2286000"/>
+            <a:ext cx="6759745" cy="3819256"/>
+          </a:xfrm>
+          <a:prstGeom prst="rect">
+            <a:avLst/>
+          </a:prstGeom>
+        </p:spPr>
+      </p:pic>
     </p:spTree>
     <p:extLst>
       <p:ext uri="{BB962C8B-B14F-4D97-AF65-F5344CB8AC3E}">
@@ -5021,6 +5059,141 @@
   <p:clrMapOvr>
     <a:masterClrMapping/>
   </p:clrMapOvr>
+  <p:timing>
+    <p:tnLst>
+      <p:par>
+        <p:cTn id="1" dur="indefinite" restart="never" nodeType="tmRoot">
+          <p:childTnLst>
+            <p:seq concurrent="1" nextAc="seek">
+              <p:cTn id="2" dur="indefinite" nodeType="mainSeq">
+                <p:childTnLst>
+                  <p:par>
+                    <p:cTn id="3" fill="hold">
+                      <p:stCondLst>
+                        <p:cond delay="indefinite"/>
+                      </p:stCondLst>
+                      <p:childTnLst>
+                        <p:par>
+                          <p:cTn id="4" fill="hold">
+                            <p:stCondLst>
+                              <p:cond delay="0"/>
+                            </p:stCondLst>
+                            <p:childTnLst>
+                              <p:par>
+                                <p:cTn id="5" presetID="1" presetClass="mediacall" presetSubtype="0" fill="hold" nodeType="clickEffect">
+                                  <p:stCondLst>
+                                    <p:cond delay="0"/>
+                                  </p:stCondLst>
+                                  <p:childTnLst>
+                                    <p:cmd type="call" cmd="playFrom(0.0)">
+                                      <p:cBhvr>
+                                        <p:cTn id="6" dur="1" fill="hold"/>
+                                        <p:tgtEl>
+                                          <p:spTgt spid="4"/>
+                                        </p:tgtEl>
+                                      </p:cBhvr>
+                                    </p:cmd>
+                                  </p:childTnLst>
+                                </p:cTn>
+                              </p:par>
+                            </p:childTnLst>
+                          </p:cTn>
+                        </p:par>
+                      </p:childTnLst>
+                    </p:cTn>
+                  </p:par>
+                </p:childTnLst>
+              </p:cTn>
+              <p:prevCondLst>
+                <p:cond evt="onPrev" delay="0">
+                  <p:tgtEl>
+                    <p:sldTgt/>
+                  </p:tgtEl>
+                </p:cond>
+              </p:prevCondLst>
+              <p:nextCondLst>
+                <p:cond evt="onNext" delay="0">
+                  <p:tgtEl>
+                    <p:sldTgt/>
+                  </p:tgtEl>
+                </p:cond>
+              </p:nextCondLst>
+            </p:seq>
+            <p:video>
+              <p:cMediaNode vol="80000">
+                <p:cTn id="7" fill="hold" display="0">
+                  <p:stCondLst>
+                    <p:cond delay="indefinite"/>
+                  </p:stCondLst>
+                </p:cTn>
+                <p:tgtEl>
+                  <p:spTgt spid="4"/>
+                </p:tgtEl>
+              </p:cMediaNode>
+            </p:video>
+            <p:seq concurrent="1" nextAc="seek">
+              <p:cTn id="8" restart="whenNotActive" fill="hold" evtFilter="cancelBubble" nodeType="interactiveSeq">
+                <p:stCondLst>
+                  <p:cond evt="onClick" delay="0">
+                    <p:tgtEl>
+                      <p:spTgt spid="4"/>
+                    </p:tgtEl>
+                  </p:cond>
+                </p:stCondLst>
+                <p:endSync evt="end" delay="0">
+                  <p:rtn val="all"/>
+                </p:endSync>
+                <p:childTnLst>
+                  <p:par>
+                    <p:cTn id="9" fill="hold">
+                      <p:stCondLst>
+                        <p:cond delay="0"/>
+                      </p:stCondLst>
+                      <p:childTnLst>
+                        <p:par>
+                          <p:cTn id="10" fill="hold">
+                            <p:stCondLst>
+                              <p:cond delay="0"/>
+                            </p:stCondLst>
+                            <p:childTnLst>
+                              <p:par>
+                                <p:cTn id="11" presetID="2" presetClass="mediacall" presetSubtype="0" fill="hold" nodeType="clickEffect">
+                                  <p:stCondLst>
+                                    <p:cond delay="0"/>
+                                  </p:stCondLst>
+                                  <p:childTnLst>
+                                    <p:cmd type="call" cmd="togglePause">
+                                      <p:cBhvr>
+                                        <p:cTn id="12" dur="1" fill="hold"/>
+                                        <p:tgtEl>
+                                          <p:spTgt spid="4"/>
+                                        </p:tgtEl>
+                                      </p:cBhvr>
+                                    </p:cmd>
+                                  </p:childTnLst>
+                                </p:cTn>
+                              </p:par>
+                            </p:childTnLst>
+                          </p:cTn>
+                        </p:par>
+                      </p:childTnLst>
+                    </p:cTn>
+                  </p:par>
+                </p:childTnLst>
+              </p:cTn>
+              <p:nextCondLst>
+                <p:cond evt="onClick" delay="0">
+                  <p:tgtEl>
+                    <p:spTgt spid="4"/>
+                  </p:tgtEl>
+                </p:cond>
+              </p:nextCondLst>
+            </p:seq>
+          </p:childTnLst>
+        </p:cTn>
+      </p:par>
+    </p:tnLst>
+  </p:timing>
 </p:sld>
 </file>
 

--- a/Case_study_powerpoint.pptx
+++ b/Case_study_powerpoint.pptx
@@ -5279,10 +5279,10 @@
       </p:sp>
       <p:pic>
         <p:nvPicPr>
-          <p:cNvPr id="5" name="Picture 4" descr="Diagram, schematic&#10;&#10;Description automatically generated">
+          <p:cNvPr id="7" name="Picture 6" descr="Graphical user interface, diagram&#10;&#10;Description automatically generated">
             <a:extLst>
               <a:ext uri="{FF2B5EF4-FFF2-40B4-BE49-F238E27FC236}">
-                <a16:creationId xmlns:a16="http://schemas.microsoft.com/office/drawing/2014/main" id="{FF2917B3-8467-4C31-99FE-C21386CBD64D}"/>
+                <a16:creationId xmlns:a16="http://schemas.microsoft.com/office/drawing/2014/main" id="{E0F79DCF-2BDA-45BF-8F22-F31807EDAD6B}"/>
               </a:ext>
             </a:extLst>
           </p:cNvPr>
@@ -5305,8 +5305,8 @@
         </p:blipFill>
         <p:spPr>
           <a:xfrm>
-            <a:off x="1371600" y="1724456"/>
-            <a:ext cx="5080440" cy="4704488"/>
+            <a:off x="6765019" y="340092"/>
+            <a:ext cx="3566469" cy="6177816"/>
           </a:xfrm>
           <a:prstGeom prst="rect">
             <a:avLst/>
@@ -5315,10 +5315,10 @@
       </p:pic>
       <p:pic>
         <p:nvPicPr>
-          <p:cNvPr id="7" name="Picture 6" descr="Graphical user interface, diagram&#10;&#10;Description automatically generated">
+          <p:cNvPr id="6" name="Afbeelding 5">
             <a:extLst>
               <a:ext uri="{FF2B5EF4-FFF2-40B4-BE49-F238E27FC236}">
-                <a16:creationId xmlns:a16="http://schemas.microsoft.com/office/drawing/2014/main" id="{E0F79DCF-2BDA-45BF-8F22-F31807EDAD6B}"/>
+                <a16:creationId xmlns:a16="http://schemas.microsoft.com/office/drawing/2014/main" id="{ED8C0EE4-A673-490F-A04D-A70D843FED19}"/>
               </a:ext>
             </a:extLst>
           </p:cNvPr>
@@ -5328,21 +5328,15 @@
           <p:nvPr/>
         </p:nvPicPr>
         <p:blipFill>
-          <a:blip r:embed="rId3">
-            <a:extLst>
-              <a:ext uri="{28A0092B-C50C-407E-A947-70E740481C1C}">
-                <a14:useLocalDpi xmlns:a14="http://schemas.microsoft.com/office/drawing/2010/main" val="0"/>
-              </a:ext>
-            </a:extLst>
-          </a:blip>
+          <a:blip r:embed="rId3"/>
           <a:stretch>
             <a:fillRect/>
           </a:stretch>
         </p:blipFill>
         <p:spPr>
           <a:xfrm>
-            <a:off x="6765019" y="340092"/>
-            <a:ext cx="3566469" cy="6177816"/>
+            <a:off x="1219200" y="1428750"/>
+            <a:ext cx="5319335" cy="4438650"/>
           </a:xfrm>
           <a:prstGeom prst="rect">
             <a:avLst/>
